--- a/G13.pptx
+++ b/G13.pptx
@@ -29056,8 +29056,8 @@
         </p:nvSpPr>
         <p:spPr>
           <a:xfrm>
-            <a:off x="3634105" y="1111250"/>
-            <a:ext cx="5149215" cy="368300"/>
+            <a:off x="2311400" y="1111250"/>
+            <a:ext cx="7752080" cy="368300"/>
           </a:xfrm>
           <a:prstGeom prst="rect">
             <a:avLst/>
@@ -29077,7 +29077,17 @@
                 <a:latin typeface="微软雅黑" panose="020B0503020204020204" charset="-122"/>
                 <a:ea typeface="微软雅黑" panose="020B0503020204020204" charset="-122"/>
               </a:rPr>
-              <a:t>当前初步完成了需求分析，完成了项目计划书</a:t>
+              <a:t>当前初步完成了需求分析，每个组员</a:t>
+            </a:r>
+            <a:r>
+              <a:rPr lang="zh-CN" altLang="en-US">
+                <a:solidFill>
+                  <a:srgbClr val="205337"/>
+                </a:solidFill>
+                <a:latin typeface="微软雅黑" panose="020B0503020204020204" charset="-122"/>
+                <a:ea typeface="微软雅黑" panose="020B0503020204020204" charset="-122"/>
+              </a:rPr>
+              <a:t>都已完成各自任务，完成了项目计划书</a:t>
             </a:r>
             <a:endParaRPr lang="zh-CN" altLang="en-US">
               <a:solidFill>
@@ -32103,6 +32113,7 @@
 <p:tagLst xmlns:p="http://schemas.openxmlformats.org/presentationml/2006/main">
   <p:tag name="ISPRING_PRESENTATION_TITLE" val="PowerPoint 演示文稿"/>
   <p:tag name="COMMONDATA" val="eyJoZGlkIjoiNWNjYTY1OGQ0ZjJiMzdjYzk3ZmY4OWVhMzRiM2UwY2EifQ=="/>
+  <p:tag name="KSO_WPP_MARK_KEY" val="72f4fa71-8dfc-4d32-ba9b-96b38d8a8a48"/>
 </p:tagLst>
 </file>
 
